--- a/PPP.pptx
+++ b/PPP.pptx
@@ -5,16 +5,17 @@
     <p:sldMasterId id="2147483648" r:id="rId1"/>
   </p:sldMasterIdLst>
   <p:notesMasterIdLst>
-    <p:notesMasterId r:id="rId9"/>
+    <p:notesMasterId r:id="rId10"/>
   </p:notesMasterIdLst>
   <p:sldIdLst>
     <p:sldId id="256" r:id="rId2"/>
     <p:sldId id="257" r:id="rId3"/>
-    <p:sldId id="261" r:id="rId4"/>
-    <p:sldId id="262" r:id="rId5"/>
-    <p:sldId id="259" r:id="rId6"/>
-    <p:sldId id="258" r:id="rId7"/>
-    <p:sldId id="260" r:id="rId8"/>
+    <p:sldId id="263" r:id="rId4"/>
+    <p:sldId id="261" r:id="rId5"/>
+    <p:sldId id="262" r:id="rId6"/>
+    <p:sldId id="259" r:id="rId7"/>
+    <p:sldId id="258" r:id="rId8"/>
+    <p:sldId id="260" r:id="rId9"/>
   </p:sldIdLst>
   <p:sldSz cx="9144000" cy="5143500" type="screen16x9"/>
   <p:notesSz cx="6858000" cy="9144000"/>
@@ -214,7 +215,7 @@
           <a:p>
             <a:fld id="{C8D18E60-4300-4729-A0D7-6AB984C3922D}" type="datetimeFigureOut">
               <a:rPr lang="en-US" smtClean="0"/>
-              <a:t>4/10/21</a:t>
+              <a:t>4/14/21</a:t>
             </a:fld>
             <a:endParaRPr lang="en-US"/>
           </a:p>
@@ -546,7 +547,7 @@
           <a:p>
             <a:fld id="{87350B06-B074-48FC-8CFD-53D2CD8FB95F}" type="slidenum">
               <a:rPr lang="en-US" smtClean="0"/>
-              <a:t>7</a:t>
+              <a:t>8</a:t>
             </a:fld>
             <a:endParaRPr lang="en-US"/>
           </a:p>
@@ -784,7 +785,7 @@
             <a:fld id="{53074F12-AA26-4AC8-9962-C36BB8F32554}" type="datetimeFigureOut">
               <a:rPr lang="en-US" smtClean="0"/>
               <a:pPr/>
-              <a:t>4/10/21</a:t>
+              <a:t>4/14/21</a:t>
             </a:fld>
             <a:endParaRPr lang="en-US"/>
           </a:p>
@@ -1038,7 +1039,7 @@
             <a:fld id="{53074F12-AA26-4AC8-9962-C36BB8F32554}" type="datetimeFigureOut">
               <a:rPr lang="en-US" smtClean="0"/>
               <a:pPr/>
-              <a:t>4/10/21</a:t>
+              <a:t>4/14/21</a:t>
             </a:fld>
             <a:endParaRPr lang="en-US"/>
           </a:p>
@@ -1208,7 +1209,7 @@
             <a:fld id="{53074F12-AA26-4AC8-9962-C36BB8F32554}" type="datetimeFigureOut">
               <a:rPr lang="en-US" smtClean="0"/>
               <a:pPr/>
-              <a:t>4/10/21</a:t>
+              <a:t>4/14/21</a:t>
             </a:fld>
             <a:endParaRPr lang="en-US"/>
           </a:p>
@@ -1388,7 +1389,7 @@
             <a:fld id="{53074F12-AA26-4AC8-9962-C36BB8F32554}" type="datetimeFigureOut">
               <a:rPr lang="en-US" smtClean="0"/>
               <a:pPr/>
-              <a:t>4/10/21</a:t>
+              <a:t>4/14/21</a:t>
             </a:fld>
             <a:endParaRPr lang="en-US"/>
           </a:p>
@@ -1670,7 +1671,7 @@
             <a:fld id="{53074F12-AA26-4AC8-9962-C36BB8F32554}" type="datetimeFigureOut">
               <a:rPr lang="en-US" smtClean="0"/>
               <a:pPr/>
-              <a:t>4/10/21</a:t>
+              <a:t>4/14/21</a:t>
             </a:fld>
             <a:endParaRPr lang="en-US"/>
           </a:p>
@@ -1917,7 +1918,7 @@
             <a:fld id="{53074F12-AA26-4AC8-9962-C36BB8F32554}" type="datetimeFigureOut">
               <a:rPr lang="en-US" smtClean="0"/>
               <a:pPr/>
-              <a:t>4/10/21</a:t>
+              <a:t>4/14/21</a:t>
             </a:fld>
             <a:endParaRPr lang="en-US"/>
           </a:p>
@@ -2164,7 +2165,7 @@
             <a:fld id="{53074F12-AA26-4AC8-9962-C36BB8F32554}" type="datetimeFigureOut">
               <a:rPr lang="en-US" smtClean="0"/>
               <a:pPr/>
-              <a:t>4/10/21</a:t>
+              <a:t>4/14/21</a:t>
             </a:fld>
             <a:endParaRPr lang="en-US"/>
           </a:p>
@@ -2451,7 +2452,7 @@
             <a:fld id="{53074F12-AA26-4AC8-9962-C36BB8F32554}" type="datetimeFigureOut">
               <a:rPr lang="en-US" smtClean="0"/>
               <a:pPr/>
-              <a:t>4/10/21</a:t>
+              <a:t>4/14/21</a:t>
             </a:fld>
             <a:endParaRPr lang="en-US"/>
           </a:p>
@@ -2938,7 +2939,7 @@
             <a:fld id="{53074F12-AA26-4AC8-9962-C36BB8F32554}" type="datetimeFigureOut">
               <a:rPr lang="en-US" smtClean="0"/>
               <a:pPr/>
-              <a:t>4/10/21</a:t>
+              <a:t>4/14/21</a:t>
             </a:fld>
             <a:endParaRPr lang="en-US"/>
           </a:p>
@@ -3057,7 +3058,7 @@
             <a:fld id="{53074F12-AA26-4AC8-9962-C36BB8F32554}" type="datetimeFigureOut">
               <a:rPr lang="en-US" smtClean="0"/>
               <a:pPr/>
-              <a:t>4/10/21</a:t>
+              <a:t>4/14/21</a:t>
             </a:fld>
             <a:endParaRPr lang="en-US"/>
           </a:p>
@@ -3154,7 +3155,7 @@
             <a:fld id="{53074F12-AA26-4AC8-9962-C36BB8F32554}" type="datetimeFigureOut">
               <a:rPr lang="en-US" smtClean="0"/>
               <a:pPr/>
-              <a:t>4/10/21</a:t>
+              <a:t>4/14/21</a:t>
             </a:fld>
             <a:endParaRPr lang="en-US"/>
           </a:p>
@@ -3431,7 +3432,7 @@
             <a:fld id="{53074F12-AA26-4AC8-9962-C36BB8F32554}" type="datetimeFigureOut">
               <a:rPr lang="en-US" smtClean="0"/>
               <a:pPr/>
-              <a:t>4/10/21</a:t>
+              <a:t>4/14/21</a:t>
             </a:fld>
             <a:endParaRPr lang="en-US"/>
           </a:p>
@@ -3653,7 +3654,7 @@
             <a:fld id="{53074F12-AA26-4AC8-9962-C36BB8F32554}" type="datetimeFigureOut">
               <a:rPr lang="en-US" smtClean="0"/>
               <a:pPr/>
-              <a:t>4/10/21</a:t>
+              <a:t>4/14/21</a:t>
             </a:fld>
             <a:endParaRPr lang="en-US"/>
           </a:p>
@@ -4201,8 +4202,8 @@
           <a:lstStyle/>
           <a:p>
             <a:r>
-              <a:rPr lang="en-US" dirty="0"/>
-              <a:t>Slide Title</a:t>
+              <a:rPr lang="en-US" sz="2800" dirty="0"/>
+              <a:t>Top 10 Leading Causes of Death</a:t>
             </a:r>
           </a:p>
         </p:txBody>
@@ -4217,32 +4218,67 @@
             <p:ph idx="1"/>
           </p:nvPr>
         </p:nvSpPr>
-        <p:spPr/>
-        <p:txBody>
-          <a:bodyPr/>
-          <a:lstStyle/>
-          <a:p>
-            <a:r>
-              <a:rPr lang="en-US" dirty="0"/>
-              <a:t>Make Effective Presentations</a:t>
-            </a:r>
-          </a:p>
-          <a:p>
-            <a:r>
-              <a:rPr lang="en-US" dirty="0"/>
-              <a:t>Using Awesome Backgrounds</a:t>
-            </a:r>
-          </a:p>
-          <a:p>
-            <a:r>
-              <a:rPr lang="en-US" dirty="0"/>
-              <a:t>Engage your Audience</a:t>
-            </a:r>
-          </a:p>
-          <a:p>
-            <a:r>
-              <a:rPr lang="en-US" dirty="0"/>
-              <a:t>Capture Audience Attention</a:t>
+        <p:spPr>
+          <a:xfrm>
+            <a:off x="83846" y="1280160"/>
+            <a:ext cx="7862290" cy="3498316"/>
+          </a:xfrm>
+        </p:spPr>
+        <p:txBody>
+          <a:bodyPr/>
+          <a:lstStyle/>
+          <a:p>
+            <a:r>
+              <a:rPr lang="en-US" sz="2000" dirty="0"/>
+              <a:t>Heart disease</a:t>
+            </a:r>
+          </a:p>
+          <a:p>
+            <a:r>
+              <a:rPr lang="en-US" sz="2000" dirty="0"/>
+              <a:t>Cancer</a:t>
+            </a:r>
+          </a:p>
+          <a:p>
+            <a:r>
+              <a:rPr lang="en-US" sz="2000" dirty="0"/>
+              <a:t>Unintentional Injuries</a:t>
+            </a:r>
+          </a:p>
+          <a:p>
+            <a:r>
+              <a:rPr lang="en-US" sz="2000" dirty="0"/>
+              <a:t>CLRD</a:t>
+            </a:r>
+          </a:p>
+          <a:p>
+            <a:r>
+              <a:rPr lang="en-US" sz="2000" dirty="0"/>
+              <a:t>Stroke</a:t>
+            </a:r>
+          </a:p>
+          <a:p>
+            <a:r>
+              <a:rPr lang="en-US" sz="2000" dirty="0"/>
+              <a:t>Alzheimer’s Disease</a:t>
+            </a:r>
+          </a:p>
+          <a:p>
+            <a:r>
+              <a:rPr lang="en-US" sz="2000" dirty="0"/>
+              <a:t>Influenza pneumonia</a:t>
+            </a:r>
+          </a:p>
+          <a:p>
+            <a:r>
+              <a:rPr lang="en-US" sz="2000" dirty="0"/>
+              <a:t>Kidney disease</a:t>
+            </a:r>
+          </a:p>
+          <a:p>
+            <a:r>
+              <a:rPr lang="en-US" sz="2000" dirty="0"/>
+              <a:t>Suicide</a:t>
             </a:r>
           </a:p>
           <a:p>
@@ -4253,6 +4289,42 @@
           </a:p>
         </p:txBody>
       </p:sp>
+      <p:pic>
+        <p:nvPicPr>
+          <p:cNvPr id="4" name="slide2" descr="10 Leading Causes of Death ">
+            <a:extLst>
+              <a:ext uri="{FF2B5EF4-FFF2-40B4-BE49-F238E27FC236}">
+                <a16:creationId xmlns:a16="http://schemas.microsoft.com/office/drawing/2014/main" id="{5A00344D-8511-F642-8244-F8D964926813}"/>
+              </a:ext>
+            </a:extLst>
+          </p:cNvPr>
+          <p:cNvPicPr>
+            <a:picLocks noChangeAspect="1"/>
+          </p:cNvPicPr>
+          <p:nvPr/>
+        </p:nvPicPr>
+        <p:blipFill>
+          <a:blip r:embed="rId2">
+            <a:extLst>
+              <a:ext uri="{28A0092B-C50C-407E-A947-70E740481C1C}">
+                <a14:useLocalDpi xmlns:a14="http://schemas.microsoft.com/office/drawing/2010/main" val="0"/>
+              </a:ext>
+            </a:extLst>
+          </a:blip>
+          <a:stretch>
+            <a:fillRect/>
+          </a:stretch>
+        </p:blipFill>
+        <p:spPr>
+          <a:xfrm>
+            <a:off x="3319272" y="1280160"/>
+            <a:ext cx="5824728" cy="3863340"/>
+          </a:xfrm>
+          <a:prstGeom prst="rect">
+            <a:avLst/>
+          </a:prstGeom>
+        </p:spPr>
+      </p:pic>
     </p:spTree>
     <p:extLst>
       <p:ext uri="{BB962C8B-B14F-4D97-AF65-F5344CB8AC3E}">
@@ -4283,55 +4355,25 @@
           <a:chExt cx="0" cy="0"/>
         </a:xfrm>
       </p:grpSpPr>
-      <p:sp>
-        <p:nvSpPr>
-          <p:cNvPr id="4" name="Title 3">
+      <p:pic>
+        <p:nvPicPr>
+          <p:cNvPr id="2" name="slide2" descr="10 Leading Causes of Death ">
             <a:extLst>
               <a:ext uri="{FF2B5EF4-FFF2-40B4-BE49-F238E27FC236}">
-                <a16:creationId xmlns:a16="http://schemas.microsoft.com/office/drawing/2014/main" id="{6F23F3E1-D611-4347-BFE4-A87F3CAFAC38}"/>
-              </a:ext>
-            </a:extLst>
-          </p:cNvPr>
-          <p:cNvSpPr>
-            <a:spLocks noGrp="1"/>
-          </p:cNvSpPr>
-          <p:nvPr>
-            <p:ph type="title"/>
-          </p:nvPr>
-        </p:nvSpPr>
-        <p:spPr/>
-        <p:txBody>
-          <a:bodyPr/>
-          <a:lstStyle/>
-          <a:p>
-            <a:endParaRPr lang="en-US"/>
-          </a:p>
-        </p:txBody>
-      </p:sp>
-      <p:pic>
-        <p:nvPicPr>
-          <p:cNvPr id="7" name="Content Placeholder 6">
-            <a:extLst>
-              <a:ext uri="{FF2B5EF4-FFF2-40B4-BE49-F238E27FC236}">
-                <a16:creationId xmlns:a16="http://schemas.microsoft.com/office/drawing/2014/main" id="{E049906D-B93C-9940-AAF0-1E44A296528B}"/>
+                <a16:creationId xmlns:a16="http://schemas.microsoft.com/office/drawing/2014/main" id="{881D7EB7-089D-4A28-B6B0-AD1E8D1029D1}"/>
               </a:ext>
             </a:extLst>
           </p:cNvPr>
           <p:cNvPicPr>
-            <a:picLocks noGrp="1" noChangeAspect="1"/>
+            <a:picLocks noChangeAspect="1"/>
           </p:cNvPicPr>
-          <p:nvPr>
-            <p:ph idx="1"/>
-          </p:nvPr>
+          <p:nvPr/>
         </p:nvPicPr>
         <p:blipFill>
           <a:blip r:embed="rId2">
             <a:extLst>
               <a:ext uri="{28A0092B-C50C-407E-A947-70E740481C1C}">
                 <a14:useLocalDpi xmlns:a14="http://schemas.microsoft.com/office/drawing/2010/main" val="0"/>
-              </a:ext>
-              <a:ext uri="{837473B0-CC2E-450A-ABE3-18F120FF3D39}">
-                <a1611:picAttrSrcUrl xmlns:a1611="http://schemas.microsoft.com/office/drawing/2016/11/main" r:id="rId3"/>
               </a:ext>
             </a:extLst>
           </a:blip>
@@ -4341,63 +4383,18 @@
         </p:blipFill>
         <p:spPr>
           <a:xfrm>
-            <a:off x="4572000" y="1493193"/>
-            <a:ext cx="4322615" cy="3419475"/>
-          </a:xfrm>
-        </p:spPr>
-      </p:pic>
-      <p:sp>
-        <p:nvSpPr>
-          <p:cNvPr id="8" name="TextBox 7">
-            <a:extLst>
-              <a:ext uri="{FF2B5EF4-FFF2-40B4-BE49-F238E27FC236}">
-                <a16:creationId xmlns:a16="http://schemas.microsoft.com/office/drawing/2014/main" id="{EB1598ED-8B08-0E43-8127-65C158756FEE}"/>
-              </a:ext>
-            </a:extLst>
-          </p:cNvPr>
-          <p:cNvSpPr txBox="1"/>
-          <p:nvPr/>
-        </p:nvSpPr>
-        <p:spPr>
-          <a:xfrm>
-            <a:off x="4572000" y="4912668"/>
-            <a:ext cx="4322615" cy="230832"/>
+            <a:off x="2572727" y="201478"/>
+            <a:ext cx="5352062" cy="4114800"/>
           </a:xfrm>
           <a:prstGeom prst="rect">
             <a:avLst/>
           </a:prstGeom>
-          <a:noFill/>
         </p:spPr>
-        <p:txBody>
-          <a:bodyPr wrap="square" rtlCol="0">
-            <a:spAutoFit/>
-          </a:bodyPr>
-          <a:lstStyle/>
-          <a:p>
-            <a:r>
-              <a:rPr lang="en-US" sz="900">
-                <a:hlinkClick r:id="rId3" tooltip="http://www.tonybates.ca/2016/01/04/book-review-the-future-of-the-professions-including-teaching/"/>
-              </a:rPr>
-              <a:t>This Photo</a:t>
-            </a:r>
-            <a:r>
-              <a:rPr lang="en-US" sz="900"/>
-              <a:t> by Unknown Author is licensed under </a:t>
-            </a:r>
-            <a:r>
-              <a:rPr lang="en-US" sz="900">
-                <a:hlinkClick r:id="rId4" tooltip="https://creativecommons.org/licenses/by-nc-sa/3.0/"/>
-              </a:rPr>
-              <a:t>CC BY-SA-NC</a:t>
-            </a:r>
-            <a:endParaRPr lang="en-US" sz="900"/>
-          </a:p>
-        </p:txBody>
-      </p:sp>
+      </p:pic>
     </p:spTree>
     <p:extLst>
       <p:ext uri="{BB962C8B-B14F-4D97-AF65-F5344CB8AC3E}">
-        <p14:creationId xmlns:p14="http://schemas.microsoft.com/office/powerpoint/2010/main" val="2424162880"/>
+        <p14:creationId xmlns:p14="http://schemas.microsoft.com/office/powerpoint/2010/main" val="409687826"/>
       </p:ext>
     </p:extLst>
   </p:cSld>
@@ -4426,10 +4423,10 @@
       </p:grpSpPr>
       <p:sp>
         <p:nvSpPr>
-          <p:cNvPr id="2" name="Title 1">
+          <p:cNvPr id="4" name="Title 3">
             <a:extLst>
               <a:ext uri="{FF2B5EF4-FFF2-40B4-BE49-F238E27FC236}">
-                <a16:creationId xmlns:a16="http://schemas.microsoft.com/office/drawing/2014/main" id="{5422AD5F-E2C0-7347-A37D-B5043256AF36}"/>
+                <a16:creationId xmlns:a16="http://schemas.microsoft.com/office/drawing/2014/main" id="{6F23F3E1-D611-4347-BFE4-A87F3CAFAC38}"/>
               </a:ext>
             </a:extLst>
           </p:cNvPr>
@@ -4451,10 +4448,10 @@
       </p:sp>
       <p:pic>
         <p:nvPicPr>
-          <p:cNvPr id="10" name="Content Placeholder 9">
+          <p:cNvPr id="7" name="Content Placeholder 6">
             <a:extLst>
               <a:ext uri="{FF2B5EF4-FFF2-40B4-BE49-F238E27FC236}">
-                <a16:creationId xmlns:a16="http://schemas.microsoft.com/office/drawing/2014/main" id="{26BC110B-7E3E-2A40-80FE-E9D31AD83F3E}"/>
+                <a16:creationId xmlns:a16="http://schemas.microsoft.com/office/drawing/2014/main" id="{E049906D-B93C-9940-AAF0-1E44A296528B}"/>
               </a:ext>
             </a:extLst>
           </p:cNvPr>
@@ -4482,17 +4479,17 @@
         </p:blipFill>
         <p:spPr>
           <a:xfrm>
-            <a:off x="6057900" y="3810000"/>
-            <a:ext cx="3086100" cy="1333500"/>
+            <a:off x="4572000" y="1493193"/>
+            <a:ext cx="4322615" cy="3419475"/>
           </a:xfrm>
         </p:spPr>
       </p:pic>
       <p:sp>
         <p:nvSpPr>
-          <p:cNvPr id="11" name="TextBox 10">
+          <p:cNvPr id="8" name="TextBox 7">
             <a:extLst>
               <a:ext uri="{FF2B5EF4-FFF2-40B4-BE49-F238E27FC236}">
-                <a16:creationId xmlns:a16="http://schemas.microsoft.com/office/drawing/2014/main" id="{8FD43F33-9630-6248-84FC-4CD707667ABF}"/>
+                <a16:creationId xmlns:a16="http://schemas.microsoft.com/office/drawing/2014/main" id="{EB1598ED-8B08-0E43-8127-65C158756FEE}"/>
               </a:ext>
             </a:extLst>
           </p:cNvPr>
@@ -4501,8 +4498,8 @@
         </p:nvSpPr>
         <p:spPr>
           <a:xfrm>
-            <a:off x="6057900" y="5143500"/>
-            <a:ext cx="3086100" cy="230832"/>
+            <a:off x="4572000" y="4912668"/>
+            <a:ext cx="4322615" cy="230832"/>
           </a:xfrm>
           <a:prstGeom prst="rect">
             <a:avLst/>
@@ -4517,7 +4514,7 @@
           <a:p>
             <a:r>
               <a:rPr lang="en-US" sz="900">
-                <a:hlinkClick r:id="rId3" tooltip="https://scherlund.blogspot.com/2019/03/automating-data-science-and-machine.html"/>
+                <a:hlinkClick r:id="rId3" tooltip="http://www.tonybates.ca/2016/01/04/book-review-the-future-of-the-professions-including-teaching/"/>
               </a:rPr>
               <a:t>This Photo</a:t>
             </a:r>
@@ -4527,9 +4524,9 @@
             </a:r>
             <a:r>
               <a:rPr lang="en-US" sz="900">
-                <a:hlinkClick r:id="rId4" tooltip="https://creativecommons.org/licenses/by/3.0/"/>
+                <a:hlinkClick r:id="rId4" tooltip="https://creativecommons.org/licenses/by-nc-sa/3.0/"/>
               </a:rPr>
-              <a:t>CC BY</a:t>
+              <a:t>CC BY-SA-NC</a:t>
             </a:r>
             <a:endParaRPr lang="en-US" sz="900"/>
           </a:p>
@@ -4538,7 +4535,7 @@
     </p:spTree>
     <p:extLst>
       <p:ext uri="{BB962C8B-B14F-4D97-AF65-F5344CB8AC3E}">
-        <p14:creationId xmlns:p14="http://schemas.microsoft.com/office/powerpoint/2010/main" val="3133446184"/>
+        <p14:creationId xmlns:p14="http://schemas.microsoft.com/office/powerpoint/2010/main" val="2424162880"/>
       </p:ext>
     </p:extLst>
   </p:cSld>
@@ -4567,7 +4564,13 @@
       </p:grpSpPr>
       <p:sp>
         <p:nvSpPr>
-          <p:cNvPr id="4" name="Title 3"/>
+          <p:cNvPr id="2" name="Title 1">
+            <a:extLst>
+              <a:ext uri="{FF2B5EF4-FFF2-40B4-BE49-F238E27FC236}">
+                <a16:creationId xmlns:a16="http://schemas.microsoft.com/office/drawing/2014/main" id="{5422AD5F-E2C0-7347-A37D-B5043256AF36}"/>
+              </a:ext>
+            </a:extLst>
+          </p:cNvPr>
           <p:cNvSpPr>
             <a:spLocks noGrp="1"/>
           </p:cNvSpPr>
@@ -4577,63 +4580,103 @@
         </p:nvSpPr>
         <p:spPr/>
         <p:txBody>
-          <a:bodyPr>
-            <a:normAutofit/>
+          <a:bodyPr/>
+          <a:lstStyle/>
+          <a:p>
+            <a:endParaRPr lang="en-US"/>
+          </a:p>
+        </p:txBody>
+      </p:sp>
+      <p:pic>
+        <p:nvPicPr>
+          <p:cNvPr id="10" name="Content Placeholder 9">
+            <a:extLst>
+              <a:ext uri="{FF2B5EF4-FFF2-40B4-BE49-F238E27FC236}">
+                <a16:creationId xmlns:a16="http://schemas.microsoft.com/office/drawing/2014/main" id="{26BC110B-7E3E-2A40-80FE-E9D31AD83F3E}"/>
+              </a:ext>
+            </a:extLst>
+          </p:cNvPr>
+          <p:cNvPicPr>
+            <a:picLocks noGrp="1" noChangeAspect="1"/>
+          </p:cNvPicPr>
+          <p:nvPr>
+            <p:ph idx="1"/>
+          </p:nvPr>
+        </p:nvPicPr>
+        <p:blipFill>
+          <a:blip r:embed="rId2">
+            <a:extLst>
+              <a:ext uri="{28A0092B-C50C-407E-A947-70E740481C1C}">
+                <a14:useLocalDpi xmlns:a14="http://schemas.microsoft.com/office/drawing/2010/main" val="0"/>
+              </a:ext>
+              <a:ext uri="{837473B0-CC2E-450A-ABE3-18F120FF3D39}">
+                <a1611:picAttrSrcUrl xmlns:a1611="http://schemas.microsoft.com/office/drawing/2016/11/main" r:id="rId3"/>
+              </a:ext>
+            </a:extLst>
+          </a:blip>
+          <a:stretch>
+            <a:fillRect/>
+          </a:stretch>
+        </p:blipFill>
+        <p:spPr>
+          <a:xfrm>
+            <a:off x="6057900" y="3810000"/>
+            <a:ext cx="3086100" cy="1333500"/>
+          </a:xfrm>
+        </p:spPr>
+      </p:pic>
+      <p:sp>
+        <p:nvSpPr>
+          <p:cNvPr id="11" name="TextBox 10">
+            <a:extLst>
+              <a:ext uri="{FF2B5EF4-FFF2-40B4-BE49-F238E27FC236}">
+                <a16:creationId xmlns:a16="http://schemas.microsoft.com/office/drawing/2014/main" id="{8FD43F33-9630-6248-84FC-4CD707667ABF}"/>
+              </a:ext>
+            </a:extLst>
+          </p:cNvPr>
+          <p:cNvSpPr txBox="1"/>
+          <p:nvPr/>
+        </p:nvSpPr>
+        <p:spPr>
+          <a:xfrm>
+            <a:off x="6057900" y="5143500"/>
+            <a:ext cx="3086100" cy="230832"/>
+          </a:xfrm>
+          <a:prstGeom prst="rect">
+            <a:avLst/>
+          </a:prstGeom>
+          <a:noFill/>
+        </p:spPr>
+        <p:txBody>
+          <a:bodyPr wrap="square" rtlCol="0">
+            <a:spAutoFit/>
           </a:bodyPr>
           <a:lstStyle/>
           <a:p>
             <a:r>
-              <a:rPr lang="en-US"/>
-              <a:t>Slide Title</a:t>
-            </a:r>
-            <a:endParaRPr lang="en-US" dirty="0"/>
-          </a:p>
-        </p:txBody>
-      </p:sp>
-      <p:sp>
-        <p:nvSpPr>
-          <p:cNvPr id="5" name="Content Placeholder 4"/>
-          <p:cNvSpPr>
-            <a:spLocks noGrp="1"/>
-          </p:cNvSpPr>
-          <p:nvPr>
-            <p:ph idx="1"/>
-          </p:nvPr>
-        </p:nvSpPr>
-        <p:spPr/>
-        <p:txBody>
-          <a:bodyPr/>
-          <a:lstStyle/>
-          <a:p>
-            <a:r>
-              <a:rPr lang="en-US" dirty="0"/>
-              <a:t>Make Effective Presentations</a:t>
-            </a:r>
-          </a:p>
-          <a:p>
-            <a:r>
-              <a:rPr lang="en-US" dirty="0"/>
-              <a:t>Using Awesome Backgrounds</a:t>
-            </a:r>
-          </a:p>
-          <a:p>
-            <a:r>
-              <a:rPr lang="en-US" dirty="0"/>
-              <a:t>Engage your Audience</a:t>
-            </a:r>
-          </a:p>
-          <a:p>
-            <a:r>
-              <a:rPr lang="en-US" dirty="0"/>
-              <a:t>Capture Audience Attention</a:t>
-            </a:r>
+              <a:rPr lang="en-US" sz="900">
+                <a:hlinkClick r:id="rId3" tooltip="https://scherlund.blogspot.com/2019/03/automating-data-science-and-machine.html"/>
+              </a:rPr>
+              <a:t>This Photo</a:t>
+            </a:r>
+            <a:r>
+              <a:rPr lang="en-US" sz="900"/>
+              <a:t> by Unknown Author is licensed under </a:t>
+            </a:r>
+            <a:r>
+              <a:rPr lang="en-US" sz="900">
+                <a:hlinkClick r:id="rId4" tooltip="https://creativecommons.org/licenses/by/3.0/"/>
+              </a:rPr>
+              <a:t>CC BY</a:t>
+            </a:r>
+            <a:endParaRPr lang="en-US" sz="900"/>
           </a:p>
         </p:txBody>
       </p:sp>
     </p:spTree>
     <p:extLst>
       <p:ext uri="{BB962C8B-B14F-4D97-AF65-F5344CB8AC3E}">
-        <p14:creationId xmlns:p14="http://schemas.microsoft.com/office/powerpoint/2010/main" val="1101633878"/>
+        <p14:creationId xmlns:p14="http://schemas.microsoft.com/office/powerpoint/2010/main" val="3133446184"/>
       </p:ext>
     </p:extLst>
   </p:cSld>
@@ -4678,6 +4721,101 @@
           <a:lstStyle/>
           <a:p>
             <a:r>
+              <a:rPr lang="en-US"/>
+              <a:t>Slide Title</a:t>
+            </a:r>
+            <a:endParaRPr lang="en-US" dirty="0"/>
+          </a:p>
+        </p:txBody>
+      </p:sp>
+      <p:sp>
+        <p:nvSpPr>
+          <p:cNvPr id="5" name="Content Placeholder 4"/>
+          <p:cNvSpPr>
+            <a:spLocks noGrp="1"/>
+          </p:cNvSpPr>
+          <p:nvPr>
+            <p:ph idx="1"/>
+          </p:nvPr>
+        </p:nvSpPr>
+        <p:spPr/>
+        <p:txBody>
+          <a:bodyPr/>
+          <a:lstStyle/>
+          <a:p>
+            <a:r>
+              <a:rPr lang="en-US" dirty="0"/>
+              <a:t>Make Effective Presentations</a:t>
+            </a:r>
+          </a:p>
+          <a:p>
+            <a:r>
+              <a:rPr lang="en-US" dirty="0"/>
+              <a:t>Using Awesome Backgrounds</a:t>
+            </a:r>
+          </a:p>
+          <a:p>
+            <a:r>
+              <a:rPr lang="en-US" dirty="0"/>
+              <a:t>Engage your Audience</a:t>
+            </a:r>
+          </a:p>
+          <a:p>
+            <a:r>
+              <a:rPr lang="en-US" dirty="0"/>
+              <a:t>Capture Audience Attention</a:t>
+            </a:r>
+          </a:p>
+        </p:txBody>
+      </p:sp>
+    </p:spTree>
+    <p:extLst>
+      <p:ext uri="{BB962C8B-B14F-4D97-AF65-F5344CB8AC3E}">
+        <p14:creationId xmlns:p14="http://schemas.microsoft.com/office/powerpoint/2010/main" val="1101633878"/>
+      </p:ext>
+    </p:extLst>
+  </p:cSld>
+  <p:clrMapOvr>
+    <a:masterClrMapping/>
+  </p:clrMapOvr>
+</p:sld>
+</file>
+
+<file path=ppt/slides/slide7.xml><?xml version="1.0" encoding="utf-8"?>
+<p:sld xmlns:a="http://schemas.openxmlformats.org/drawingml/2006/main" xmlns:r="http://schemas.openxmlformats.org/officeDocument/2006/relationships" xmlns:p="http://schemas.openxmlformats.org/presentationml/2006/main">
+  <p:cSld>
+    <p:spTree>
+      <p:nvGrpSpPr>
+        <p:cNvPr id="1" name=""/>
+        <p:cNvGrpSpPr/>
+        <p:nvPr/>
+      </p:nvGrpSpPr>
+      <p:grpSpPr>
+        <a:xfrm>
+          <a:off x="0" y="0"/>
+          <a:ext cx="0" cy="0"/>
+          <a:chOff x="0" y="0"/>
+          <a:chExt cx="0" cy="0"/>
+        </a:xfrm>
+      </p:grpSpPr>
+      <p:sp>
+        <p:nvSpPr>
+          <p:cNvPr id="4" name="Title 3"/>
+          <p:cNvSpPr>
+            <a:spLocks noGrp="1"/>
+          </p:cNvSpPr>
+          <p:nvPr>
+            <p:ph type="title"/>
+          </p:nvPr>
+        </p:nvSpPr>
+        <p:spPr/>
+        <p:txBody>
+          <a:bodyPr>
+            <a:normAutofit/>
+          </a:bodyPr>
+          <a:lstStyle/>
+          <a:p>
+            <a:r>
               <a:rPr lang="en-US" dirty="0"/>
               <a:t>Slide Title</a:t>
             </a:r>
@@ -4811,7 +4949,7 @@
 </p:sld>
 </file>
 
-<file path=ppt/slides/slide7.xml><?xml version="1.0" encoding="utf-8"?>
+<file path=ppt/slides/slide8.xml><?xml version="1.0" encoding="utf-8"?>
 <p:sld xmlns:a="http://schemas.openxmlformats.org/drawingml/2006/main" xmlns:r="http://schemas.openxmlformats.org/officeDocument/2006/relationships" xmlns:p="http://schemas.openxmlformats.org/presentationml/2006/main">
   <p:cSld>
     <p:spTree>

--- a/PPP.pptx
+++ b/PPP.pptx
@@ -4317,8 +4317,8 @@
         </p:blipFill>
         <p:spPr>
           <a:xfrm>
-            <a:off x="3319272" y="1280160"/>
-            <a:ext cx="5824728" cy="3863340"/>
+            <a:off x="3163824" y="1177057"/>
+            <a:ext cx="5980176" cy="3966443"/>
           </a:xfrm>
           <a:prstGeom prst="rect">
             <a:avLst/>
@@ -4355,42 +4355,6 @@
           <a:chExt cx="0" cy="0"/>
         </a:xfrm>
       </p:grpSpPr>
-      <p:pic>
-        <p:nvPicPr>
-          <p:cNvPr id="2" name="slide2" descr="10 Leading Causes of Death ">
-            <a:extLst>
-              <a:ext uri="{FF2B5EF4-FFF2-40B4-BE49-F238E27FC236}">
-                <a16:creationId xmlns:a16="http://schemas.microsoft.com/office/drawing/2014/main" id="{881D7EB7-089D-4A28-B6B0-AD1E8D1029D1}"/>
-              </a:ext>
-            </a:extLst>
-          </p:cNvPr>
-          <p:cNvPicPr>
-            <a:picLocks noChangeAspect="1"/>
-          </p:cNvPicPr>
-          <p:nvPr/>
-        </p:nvPicPr>
-        <p:blipFill>
-          <a:blip r:embed="rId2">
-            <a:extLst>
-              <a:ext uri="{28A0092B-C50C-407E-A947-70E740481C1C}">
-                <a14:useLocalDpi xmlns:a14="http://schemas.microsoft.com/office/drawing/2010/main" val="0"/>
-              </a:ext>
-            </a:extLst>
-          </a:blip>
-          <a:stretch>
-            <a:fillRect/>
-          </a:stretch>
-        </p:blipFill>
-        <p:spPr>
-          <a:xfrm>
-            <a:off x="2572727" y="201478"/>
-            <a:ext cx="5352062" cy="4114800"/>
-          </a:xfrm>
-          <a:prstGeom prst="rect">
-            <a:avLst/>
-          </a:prstGeom>
-        </p:spPr>
-      </p:pic>
     </p:spTree>
     <p:extLst>
       <p:ext uri="{BB962C8B-B14F-4D97-AF65-F5344CB8AC3E}">
